--- a/Clustering Results Word Doc/Mutant2_150_Analysis_K4.pptx
+++ b/Clustering Results Word Doc/Mutant2_150_Analysis_K4.pptx
@@ -12,6 +12,7 @@
     <p:sldId id="262" r:id="rId6"/>
     <p:sldId id="261" r:id="rId7"/>
     <p:sldId id="260" r:id="rId8"/>
+    <p:sldId id="263" r:id="rId9"/>
   </p:sldIdLst>
   <p:sldSz cx="9144000" cy="6858000" type="screen4x3"/>
   <p:notesSz cx="6858000" cy="9144000"/>
@@ -294,7 +295,8 @@
           <a:p>
             <a:fld id="{98C2B749-CCF1-4FC1-94C3-DFC5C510BA01}" type="datetimeFigureOut">
               <a:rPr lang="en-US" smtClean="0"/>
-              <a:t>2/4/2015</a:t>
+              <a:pPr/>
+              <a:t>2/5/2015</a:t>
             </a:fld>
             <a:endParaRPr lang="en-US"/>
           </a:p>
@@ -336,6 +338,7 @@
           <a:p>
             <a:fld id="{97BAFD89-B90F-4909-9AEE-47E5DB38A39C}" type="slidenum">
               <a:rPr lang="en-US" smtClean="0"/>
+              <a:pPr/>
               <a:t>‹#›</a:t>
             </a:fld>
             <a:endParaRPr lang="en-US"/>
@@ -459,7 +462,8 @@
           <a:p>
             <a:fld id="{98C2B749-CCF1-4FC1-94C3-DFC5C510BA01}" type="datetimeFigureOut">
               <a:rPr lang="en-US" smtClean="0"/>
-              <a:t>2/4/2015</a:t>
+              <a:pPr/>
+              <a:t>2/5/2015</a:t>
             </a:fld>
             <a:endParaRPr lang="en-US"/>
           </a:p>
@@ -501,6 +505,7 @@
           <a:p>
             <a:fld id="{97BAFD89-B90F-4909-9AEE-47E5DB38A39C}" type="slidenum">
               <a:rPr lang="en-US" smtClean="0"/>
+              <a:pPr/>
               <a:t>‹#›</a:t>
             </a:fld>
             <a:endParaRPr lang="en-US"/>
@@ -634,7 +639,8 @@
           <a:p>
             <a:fld id="{98C2B749-CCF1-4FC1-94C3-DFC5C510BA01}" type="datetimeFigureOut">
               <a:rPr lang="en-US" smtClean="0"/>
-              <a:t>2/4/2015</a:t>
+              <a:pPr/>
+              <a:t>2/5/2015</a:t>
             </a:fld>
             <a:endParaRPr lang="en-US"/>
           </a:p>
@@ -676,6 +682,7 @@
           <a:p>
             <a:fld id="{97BAFD89-B90F-4909-9AEE-47E5DB38A39C}" type="slidenum">
               <a:rPr lang="en-US" smtClean="0"/>
+              <a:pPr/>
               <a:t>‹#›</a:t>
             </a:fld>
             <a:endParaRPr lang="en-US"/>
@@ -799,7 +806,8 @@
           <a:p>
             <a:fld id="{98C2B749-CCF1-4FC1-94C3-DFC5C510BA01}" type="datetimeFigureOut">
               <a:rPr lang="en-US" smtClean="0"/>
-              <a:t>2/4/2015</a:t>
+              <a:pPr/>
+              <a:t>2/5/2015</a:t>
             </a:fld>
             <a:endParaRPr lang="en-US"/>
           </a:p>
@@ -841,6 +849,7 @@
           <a:p>
             <a:fld id="{97BAFD89-B90F-4909-9AEE-47E5DB38A39C}" type="slidenum">
               <a:rPr lang="en-US" smtClean="0"/>
+              <a:pPr/>
               <a:t>‹#›</a:t>
             </a:fld>
             <a:endParaRPr lang="en-US"/>
@@ -1040,7 +1049,8 @@
           <a:p>
             <a:fld id="{98C2B749-CCF1-4FC1-94C3-DFC5C510BA01}" type="datetimeFigureOut">
               <a:rPr lang="en-US" smtClean="0"/>
-              <a:t>2/4/2015</a:t>
+              <a:pPr/>
+              <a:t>2/5/2015</a:t>
             </a:fld>
             <a:endParaRPr lang="en-US"/>
           </a:p>
@@ -1082,6 +1092,7 @@
           <a:p>
             <a:fld id="{97BAFD89-B90F-4909-9AEE-47E5DB38A39C}" type="slidenum">
               <a:rPr lang="en-US" smtClean="0"/>
+              <a:pPr/>
               <a:t>‹#›</a:t>
             </a:fld>
             <a:endParaRPr lang="en-US"/>
@@ -1323,7 +1334,8 @@
           <a:p>
             <a:fld id="{98C2B749-CCF1-4FC1-94C3-DFC5C510BA01}" type="datetimeFigureOut">
               <a:rPr lang="en-US" smtClean="0"/>
-              <a:t>2/4/2015</a:t>
+              <a:pPr/>
+              <a:t>2/5/2015</a:t>
             </a:fld>
             <a:endParaRPr lang="en-US"/>
           </a:p>
@@ -1365,6 +1377,7 @@
           <a:p>
             <a:fld id="{97BAFD89-B90F-4909-9AEE-47E5DB38A39C}" type="slidenum">
               <a:rPr lang="en-US" smtClean="0"/>
+              <a:pPr/>
               <a:t>‹#›</a:t>
             </a:fld>
             <a:endParaRPr lang="en-US"/>
@@ -1740,7 +1753,8 @@
           <a:p>
             <a:fld id="{98C2B749-CCF1-4FC1-94C3-DFC5C510BA01}" type="datetimeFigureOut">
               <a:rPr lang="en-US" smtClean="0"/>
-              <a:t>2/4/2015</a:t>
+              <a:pPr/>
+              <a:t>2/5/2015</a:t>
             </a:fld>
             <a:endParaRPr lang="en-US"/>
           </a:p>
@@ -1782,6 +1796,7 @@
           <a:p>
             <a:fld id="{97BAFD89-B90F-4909-9AEE-47E5DB38A39C}" type="slidenum">
               <a:rPr lang="en-US" smtClean="0"/>
+              <a:pPr/>
               <a:t>‹#›</a:t>
             </a:fld>
             <a:endParaRPr lang="en-US"/>
@@ -1853,7 +1868,8 @@
           <a:p>
             <a:fld id="{98C2B749-CCF1-4FC1-94C3-DFC5C510BA01}" type="datetimeFigureOut">
               <a:rPr lang="en-US" smtClean="0"/>
-              <a:t>2/4/2015</a:t>
+              <a:pPr/>
+              <a:t>2/5/2015</a:t>
             </a:fld>
             <a:endParaRPr lang="en-US"/>
           </a:p>
@@ -1895,6 +1911,7 @@
           <a:p>
             <a:fld id="{97BAFD89-B90F-4909-9AEE-47E5DB38A39C}" type="slidenum">
               <a:rPr lang="en-US" smtClean="0"/>
+              <a:pPr/>
               <a:t>‹#›</a:t>
             </a:fld>
             <a:endParaRPr lang="en-US"/>
@@ -1943,7 +1960,8 @@
           <a:p>
             <a:fld id="{98C2B749-CCF1-4FC1-94C3-DFC5C510BA01}" type="datetimeFigureOut">
               <a:rPr lang="en-US" smtClean="0"/>
-              <a:t>2/4/2015</a:t>
+              <a:pPr/>
+              <a:t>2/5/2015</a:t>
             </a:fld>
             <a:endParaRPr lang="en-US"/>
           </a:p>
@@ -1985,6 +2003,7 @@
           <a:p>
             <a:fld id="{97BAFD89-B90F-4909-9AEE-47E5DB38A39C}" type="slidenum">
               <a:rPr lang="en-US" smtClean="0"/>
+              <a:pPr/>
               <a:t>‹#›</a:t>
             </a:fld>
             <a:endParaRPr lang="en-US"/>
@@ -2215,7 +2234,8 @@
           <a:p>
             <a:fld id="{98C2B749-CCF1-4FC1-94C3-DFC5C510BA01}" type="datetimeFigureOut">
               <a:rPr lang="en-US" smtClean="0"/>
-              <a:t>2/4/2015</a:t>
+              <a:pPr/>
+              <a:t>2/5/2015</a:t>
             </a:fld>
             <a:endParaRPr lang="en-US"/>
           </a:p>
@@ -2257,6 +2277,7 @@
           <a:p>
             <a:fld id="{97BAFD89-B90F-4909-9AEE-47E5DB38A39C}" type="slidenum">
               <a:rPr lang="en-US" smtClean="0"/>
+              <a:pPr/>
               <a:t>‹#›</a:t>
             </a:fld>
             <a:endParaRPr lang="en-US"/>
@@ -2463,7 +2484,8 @@
           <a:p>
             <a:fld id="{98C2B749-CCF1-4FC1-94C3-DFC5C510BA01}" type="datetimeFigureOut">
               <a:rPr lang="en-US" smtClean="0"/>
-              <a:t>2/4/2015</a:t>
+              <a:pPr/>
+              <a:t>2/5/2015</a:t>
             </a:fld>
             <a:endParaRPr lang="en-US"/>
           </a:p>
@@ -2505,6 +2527,7 @@
           <a:p>
             <a:fld id="{97BAFD89-B90F-4909-9AEE-47E5DB38A39C}" type="slidenum">
               <a:rPr lang="en-US" smtClean="0"/>
+              <a:pPr/>
               <a:t>‹#›</a:t>
             </a:fld>
             <a:endParaRPr lang="en-US"/>
@@ -2671,7 +2694,8 @@
           <a:p>
             <a:fld id="{98C2B749-CCF1-4FC1-94C3-DFC5C510BA01}" type="datetimeFigureOut">
               <a:rPr lang="en-US" smtClean="0"/>
-              <a:t>2/4/2015</a:t>
+              <a:pPr/>
+              <a:t>2/5/2015</a:t>
             </a:fld>
             <a:endParaRPr lang="en-US"/>
           </a:p>
@@ -2749,6 +2773,7 @@
           <a:p>
             <a:fld id="{97BAFD89-B90F-4909-9AEE-47E5DB38A39C}" type="slidenum">
               <a:rPr lang="en-US" smtClean="0"/>
+              <a:pPr/>
               <a:t>‹#›</a:t>
             </a:fld>
             <a:endParaRPr lang="en-US"/>
@@ -3245,19 +3270,7 @@
           <a:p>
             <a:r>
               <a:rPr lang="en-US" sz="2000" dirty="0" smtClean="0"/>
-              <a:t>       CD11c </a:t>
-            </a:r>
-            <a:r>
-              <a:rPr lang="en-US" sz="2000" dirty="0" smtClean="0"/>
-              <a:t> CD25  CD31  CD205  Claud5  </a:t>
-            </a:r>
-            <a:r>
-              <a:rPr lang="en-US" sz="2000" dirty="0" smtClean="0"/>
-              <a:t>Claud34 </a:t>
-            </a:r>
-            <a:r>
-              <a:rPr lang="en-US" sz="2000" dirty="0" smtClean="0"/>
-              <a:t> Foxp3  K5  K14  </a:t>
+              <a:t>       CD11c  CD25  CD31  CD205  Claud5  Claud34  Foxp3  K5  K14  </a:t>
             </a:r>
             <a:r>
               <a:rPr lang="en-US" sz="2000" dirty="0" err="1" smtClean="0"/>
@@ -3526,19 +3539,7 @@
           <a:p>
             <a:r>
               <a:rPr lang="en-US" sz="2000" dirty="0" smtClean="0"/>
-              <a:t>       CD11c </a:t>
-            </a:r>
-            <a:r>
-              <a:rPr lang="en-US" sz="2000" dirty="0" smtClean="0"/>
-              <a:t> CD25  CD31  CD205  Claud5  </a:t>
-            </a:r>
-            <a:r>
-              <a:rPr lang="en-US" sz="2000" dirty="0" smtClean="0"/>
-              <a:t>Claud34 </a:t>
-            </a:r>
-            <a:r>
-              <a:rPr lang="en-US" sz="2000" dirty="0" smtClean="0"/>
-              <a:t> Foxp3  K5  K14  </a:t>
+              <a:t>       CD11c  CD25  CD31  CD205  Claud5  Claud34  Foxp3  K5  K14  </a:t>
             </a:r>
             <a:r>
               <a:rPr lang="en-US" sz="2000" dirty="0" err="1" smtClean="0"/>
@@ -3781,19 +3782,7 @@
           <a:p>
             <a:r>
               <a:rPr lang="en-US" sz="2000" dirty="0" smtClean="0"/>
-              <a:t>       CD11c </a:t>
-            </a:r>
-            <a:r>
-              <a:rPr lang="en-US" sz="2000" dirty="0" smtClean="0"/>
-              <a:t> CD25  CD31  CD205  Claud5  </a:t>
-            </a:r>
-            <a:r>
-              <a:rPr lang="en-US" sz="2000" dirty="0" smtClean="0"/>
-              <a:t>Claud34 </a:t>
-            </a:r>
-            <a:r>
-              <a:rPr lang="en-US" sz="2000" dirty="0" smtClean="0"/>
-              <a:t> Foxp3  K5  K14  </a:t>
+              <a:t>       CD11c  CD25  CD31  CD205  Claud5  Claud34  Foxp3  K5  K14  </a:t>
             </a:r>
             <a:r>
               <a:rPr lang="en-US" sz="2000" dirty="0" err="1" smtClean="0"/>
@@ -4040,19 +4029,7 @@
           <a:p>
             <a:r>
               <a:rPr lang="en-US" sz="2000" dirty="0" smtClean="0"/>
-              <a:t>       CD11c </a:t>
-            </a:r>
-            <a:r>
-              <a:rPr lang="en-US" sz="2000" dirty="0" smtClean="0"/>
-              <a:t> CD25  CD31  CD205  Claud5  </a:t>
-            </a:r>
-            <a:r>
-              <a:rPr lang="en-US" sz="2000" dirty="0" smtClean="0"/>
-              <a:t>Claud34 </a:t>
-            </a:r>
-            <a:r>
-              <a:rPr lang="en-US" sz="2000" dirty="0" smtClean="0"/>
-              <a:t> Foxp3  K5  K14  </a:t>
+              <a:t>       CD11c  CD25  CD31  CD205  Claud5  Claud34  Foxp3  K5  K14  </a:t>
             </a:r>
             <a:r>
               <a:rPr lang="en-US" sz="2000" dirty="0" err="1" smtClean="0"/>
@@ -4115,19 +4092,7 @@
           <a:p>
             <a:r>
               <a:rPr lang="en-US" sz="2000" dirty="0" smtClean="0"/>
-              <a:t>       CD11c </a:t>
-            </a:r>
-            <a:r>
-              <a:rPr lang="en-US" sz="2000" dirty="0" smtClean="0"/>
-              <a:t> CD25  CD31  CD205  Claud5  </a:t>
-            </a:r>
-            <a:r>
-              <a:rPr lang="en-US" sz="2000" dirty="0" smtClean="0"/>
-              <a:t>Claud34 </a:t>
-            </a:r>
-            <a:r>
-              <a:rPr lang="en-US" sz="2000" dirty="0" smtClean="0"/>
-              <a:t> Foxp3  K5  K14  </a:t>
+              <a:t>       CD11c  CD25  CD31  CD205  Claud5  Claud34  Foxp3  K5  K14  </a:t>
             </a:r>
             <a:r>
               <a:rPr lang="en-US" sz="2000" dirty="0" err="1" smtClean="0"/>
@@ -4398,19 +4363,7 @@
           <a:p>
             <a:r>
               <a:rPr lang="en-US" sz="2000" dirty="0" smtClean="0"/>
-              <a:t>       CD11c </a:t>
-            </a:r>
-            <a:r>
-              <a:rPr lang="en-US" sz="2000" dirty="0" smtClean="0"/>
-              <a:t> CD25  CD31  CD205  Claud5  </a:t>
-            </a:r>
-            <a:r>
-              <a:rPr lang="en-US" sz="2000" dirty="0" smtClean="0"/>
-              <a:t>Claud34 </a:t>
-            </a:r>
-            <a:r>
-              <a:rPr lang="en-US" sz="2000" dirty="0" smtClean="0"/>
-              <a:t> Foxp3  K5  K14  </a:t>
+              <a:t>       CD11c  CD25  CD31  CD205  Claud5  Claud34  Foxp3  K5  K14  </a:t>
             </a:r>
             <a:r>
               <a:rPr lang="en-US" sz="2000" dirty="0" err="1" smtClean="0"/>
@@ -4670,19 +4623,7 @@
           <a:p>
             <a:r>
               <a:rPr lang="en-US" sz="2000" dirty="0" smtClean="0"/>
-              <a:t>       CD11c </a:t>
-            </a:r>
-            <a:r>
-              <a:rPr lang="en-US" sz="2000" dirty="0" smtClean="0"/>
-              <a:t> CD25  CD31  CD205  Claud5  </a:t>
-            </a:r>
-            <a:r>
-              <a:rPr lang="en-US" sz="2000" dirty="0" smtClean="0"/>
-              <a:t>Claud34 </a:t>
-            </a:r>
-            <a:r>
-              <a:rPr lang="en-US" sz="2000" dirty="0" smtClean="0"/>
-              <a:t> Foxp3  K5  K14  </a:t>
+              <a:t>       CD11c  CD25  CD31  CD205  Claud5  Claud34  Foxp3  K5  K14  </a:t>
             </a:r>
             <a:r>
               <a:rPr lang="en-US" sz="2000" dirty="0" err="1" smtClean="0"/>
@@ -4894,6 +4835,61 @@
             <a:tailEnd/>
           </a:ln>
           <a:effectLst/>
+        </p:spPr>
+      </p:pic>
+    </p:spTree>
+  </p:cSld>
+  <p:clrMapOvr>
+    <a:masterClrMapping/>
+  </p:clrMapOvr>
+</p:sld>
+</file>
+
+<file path=ppt/slides/slide8.xml><?xml version="1.0" encoding="utf-8"?>
+<p:sld xmlns:a="http://schemas.openxmlformats.org/drawingml/2006/main" xmlns:r="http://schemas.openxmlformats.org/officeDocument/2006/relationships" xmlns:p="http://schemas.openxmlformats.org/presentationml/2006/main">
+  <p:cSld>
+    <p:spTree>
+      <p:nvGrpSpPr>
+        <p:cNvPr id="1" name=""/>
+        <p:cNvGrpSpPr/>
+        <p:nvPr/>
+      </p:nvGrpSpPr>
+      <p:grpSpPr>
+        <a:xfrm>
+          <a:off x="0" y="0"/>
+          <a:ext cx="0" cy="0"/>
+          <a:chOff x="0" y="0"/>
+          <a:chExt cx="0" cy="0"/>
+        </a:xfrm>
+      </p:grpSpPr>
+      <p:pic>
+        <p:nvPicPr>
+          <p:cNvPr id="2" name="Picture 1"/>
+          <p:cNvPicPr/>
+          <p:nvPr/>
+        </p:nvPicPr>
+        <p:blipFill>
+          <a:blip r:embed="rId2"/>
+          <a:srcRect t="66560" r="30758" b="5733"/>
+          <a:stretch>
+            <a:fillRect/>
+          </a:stretch>
+        </p:blipFill>
+        <p:spPr bwMode="auto">
+          <a:xfrm>
+            <a:off x="533400" y="457200"/>
+            <a:ext cx="6388467" cy="1435395"/>
+          </a:xfrm>
+          <a:prstGeom prst="rect">
+            <a:avLst/>
+          </a:prstGeom>
+          <a:noFill/>
+          <a:ln w="9525">
+            <a:noFill/>
+            <a:miter lim="800000"/>
+            <a:headEnd/>
+            <a:tailEnd/>
+          </a:ln>
         </p:spPr>
       </p:pic>
     </p:spTree>

--- a/Clustering Results Word Doc/Mutant2_150_Analysis_K4.pptx
+++ b/Clustering Results Word Doc/Mutant2_150_Analysis_K4.pptx
@@ -296,7 +296,7 @@
             <a:fld id="{98C2B749-CCF1-4FC1-94C3-DFC5C510BA01}" type="datetimeFigureOut">
               <a:rPr lang="en-US" smtClean="0"/>
               <a:pPr/>
-              <a:t>2/5/2015</a:t>
+              <a:t>2/6/2015</a:t>
             </a:fld>
             <a:endParaRPr lang="en-US"/>
           </a:p>
@@ -463,7 +463,7 @@
             <a:fld id="{98C2B749-CCF1-4FC1-94C3-DFC5C510BA01}" type="datetimeFigureOut">
               <a:rPr lang="en-US" smtClean="0"/>
               <a:pPr/>
-              <a:t>2/5/2015</a:t>
+              <a:t>2/6/2015</a:t>
             </a:fld>
             <a:endParaRPr lang="en-US"/>
           </a:p>
@@ -640,7 +640,7 @@
             <a:fld id="{98C2B749-CCF1-4FC1-94C3-DFC5C510BA01}" type="datetimeFigureOut">
               <a:rPr lang="en-US" smtClean="0"/>
               <a:pPr/>
-              <a:t>2/5/2015</a:t>
+              <a:t>2/6/2015</a:t>
             </a:fld>
             <a:endParaRPr lang="en-US"/>
           </a:p>
@@ -807,7 +807,7 @@
             <a:fld id="{98C2B749-CCF1-4FC1-94C3-DFC5C510BA01}" type="datetimeFigureOut">
               <a:rPr lang="en-US" smtClean="0"/>
               <a:pPr/>
-              <a:t>2/5/2015</a:t>
+              <a:t>2/6/2015</a:t>
             </a:fld>
             <a:endParaRPr lang="en-US"/>
           </a:p>
@@ -1050,7 +1050,7 @@
             <a:fld id="{98C2B749-CCF1-4FC1-94C3-DFC5C510BA01}" type="datetimeFigureOut">
               <a:rPr lang="en-US" smtClean="0"/>
               <a:pPr/>
-              <a:t>2/5/2015</a:t>
+              <a:t>2/6/2015</a:t>
             </a:fld>
             <a:endParaRPr lang="en-US"/>
           </a:p>
@@ -1335,7 +1335,7 @@
             <a:fld id="{98C2B749-CCF1-4FC1-94C3-DFC5C510BA01}" type="datetimeFigureOut">
               <a:rPr lang="en-US" smtClean="0"/>
               <a:pPr/>
-              <a:t>2/5/2015</a:t>
+              <a:t>2/6/2015</a:t>
             </a:fld>
             <a:endParaRPr lang="en-US"/>
           </a:p>
@@ -1754,7 +1754,7 @@
             <a:fld id="{98C2B749-CCF1-4FC1-94C3-DFC5C510BA01}" type="datetimeFigureOut">
               <a:rPr lang="en-US" smtClean="0"/>
               <a:pPr/>
-              <a:t>2/5/2015</a:t>
+              <a:t>2/6/2015</a:t>
             </a:fld>
             <a:endParaRPr lang="en-US"/>
           </a:p>
@@ -1869,7 +1869,7 @@
             <a:fld id="{98C2B749-CCF1-4FC1-94C3-DFC5C510BA01}" type="datetimeFigureOut">
               <a:rPr lang="en-US" smtClean="0"/>
               <a:pPr/>
-              <a:t>2/5/2015</a:t>
+              <a:t>2/6/2015</a:t>
             </a:fld>
             <a:endParaRPr lang="en-US"/>
           </a:p>
@@ -1961,7 +1961,7 @@
             <a:fld id="{98C2B749-CCF1-4FC1-94C3-DFC5C510BA01}" type="datetimeFigureOut">
               <a:rPr lang="en-US" smtClean="0"/>
               <a:pPr/>
-              <a:t>2/5/2015</a:t>
+              <a:t>2/6/2015</a:t>
             </a:fld>
             <a:endParaRPr lang="en-US"/>
           </a:p>
@@ -2235,7 +2235,7 @@
             <a:fld id="{98C2B749-CCF1-4FC1-94C3-DFC5C510BA01}" type="datetimeFigureOut">
               <a:rPr lang="en-US" smtClean="0"/>
               <a:pPr/>
-              <a:t>2/5/2015</a:t>
+              <a:t>2/6/2015</a:t>
             </a:fld>
             <a:endParaRPr lang="en-US"/>
           </a:p>
@@ -2485,7 +2485,7 @@
             <a:fld id="{98C2B749-CCF1-4FC1-94C3-DFC5C510BA01}" type="datetimeFigureOut">
               <a:rPr lang="en-US" smtClean="0"/>
               <a:pPr/>
-              <a:t>2/5/2015</a:t>
+              <a:t>2/6/2015</a:t>
             </a:fld>
             <a:endParaRPr lang="en-US"/>
           </a:p>
@@ -2695,7 +2695,7 @@
             <a:fld id="{98C2B749-CCF1-4FC1-94C3-DFC5C510BA01}" type="datetimeFigureOut">
               <a:rPr lang="en-US" smtClean="0"/>
               <a:pPr/>
-              <a:t>2/5/2015</a:t>
+              <a:t>2/6/2015</a:t>
             </a:fld>
             <a:endParaRPr lang="en-US"/>
           </a:p>
